--- a/Remote Job Market during COVID.pptx
+++ b/Remote Job Market during COVID.pptx
@@ -17,6 +17,7 @@
     <p:sldId id="265" r:id="rId11"/>
     <p:sldId id="266" r:id="rId12"/>
     <p:sldId id="267" r:id="rId13"/>
+    <p:sldId id="268" r:id="rId14"/>
   </p:sldIdLst>
   <p:sldSz cx="12192000" cy="6858000"/>
   <p:notesSz cx="6858000" cy="9144000"/>
@@ -3859,6 +3860,479 @@
 </p:sld>
 </file>
 
+<file path=ppt/slides/slide13.xml><?xml version="1.0" encoding="utf-8"?>
+<p:sld xmlns:a="http://schemas.openxmlformats.org/drawingml/2006/main" xmlns:r="http://schemas.openxmlformats.org/officeDocument/2006/relationships" xmlns:p="http://schemas.openxmlformats.org/presentationml/2006/main">
+  <p:cSld>
+    <p:spTree>
+      <p:nvGrpSpPr>
+        <p:cNvPr id="1" name=""/>
+        <p:cNvGrpSpPr/>
+        <p:nvPr/>
+      </p:nvGrpSpPr>
+      <p:grpSpPr>
+        <a:xfrm>
+          <a:off x="0" y="0"/>
+          <a:ext cx="0" cy="0"/>
+          <a:chOff x="0" y="0"/>
+          <a:chExt cx="0" cy="0"/>
+        </a:xfrm>
+      </p:grpSpPr>
+      <p:sp>
+        <p:nvSpPr>
+          <p:cNvPr id="2" name="Title 1">
+            <a:extLst>
+              <a:ext uri="{FF2B5EF4-FFF2-40B4-BE49-F238E27FC236}">
+                <a16:creationId xmlns:a16="http://schemas.microsoft.com/office/drawing/2014/main" id="{CD894693-84F4-456A-8AA6-9B1A685236E5}"/>
+              </a:ext>
+            </a:extLst>
+          </p:cNvPr>
+          <p:cNvSpPr>
+            <a:spLocks noGrp="1"/>
+          </p:cNvSpPr>
+          <p:nvPr>
+            <p:ph type="title"/>
+          </p:nvPr>
+        </p:nvSpPr>
+        <p:spPr/>
+        <p:txBody>
+          <a:bodyPr/>
+          <a:lstStyle/>
+          <a:p>
+            <a:r>
+              <a:rPr lang="en-US" dirty="0">
+                <a:solidFill>
+                  <a:srgbClr val="0070C0"/>
+                </a:solidFill>
+              </a:rPr>
+              <a:t>Conclusions</a:t>
+            </a:r>
+            <a:endParaRPr lang="en-US" dirty="0"/>
+          </a:p>
+        </p:txBody>
+      </p:sp>
+      <p:sp>
+        <p:nvSpPr>
+          <p:cNvPr id="7" name="TextBox 6">
+            <a:extLst>
+              <a:ext uri="{FF2B5EF4-FFF2-40B4-BE49-F238E27FC236}">
+                <a16:creationId xmlns:a16="http://schemas.microsoft.com/office/drawing/2014/main" id="{A30737BC-FBFA-4DB0-B984-739DEADD4D5C}"/>
+              </a:ext>
+            </a:extLst>
+          </p:cNvPr>
+          <p:cNvSpPr txBox="1"/>
+          <p:nvPr/>
+        </p:nvSpPr>
+        <p:spPr>
+          <a:xfrm>
+            <a:off x="838200" y="1311858"/>
+            <a:ext cx="9766852" cy="5384038"/>
+          </a:xfrm>
+          <a:prstGeom prst="rect">
+            <a:avLst/>
+          </a:prstGeom>
+          <a:noFill/>
+        </p:spPr>
+        <p:txBody>
+          <a:bodyPr wrap="square">
+            <a:spAutoFit/>
+          </a:bodyPr>
+          <a:lstStyle/>
+          <a:p>
+            <a:pPr marL="228600" marR="0" lvl="0" indent="-228600" algn="l" defTabSz="914400" rtl="0" eaLnBrk="1" fontAlgn="auto" latinLnBrk="0" hangingPunct="1">
+              <a:lnSpc>
+                <a:spcPct val="90000"/>
+              </a:lnSpc>
+              <a:spcBef>
+                <a:spcPts val="1000"/>
+              </a:spcBef>
+              <a:spcAft>
+                <a:spcPts val="0"/>
+              </a:spcAft>
+              <a:buClrTx/>
+              <a:buSzTx/>
+              <a:buFont typeface="Arial" panose="020B0604020202020204" pitchFamily="34" charset="0"/>
+              <a:buChar char="•"/>
+              <a:tabLst/>
+              <a:defRPr/>
+            </a:pPr>
+            <a:r>
+              <a:rPr lang="en-US" sz="2200" dirty="0">
+                <a:solidFill>
+                  <a:prstClr val="black">
+                    <a:lumMod val="65000"/>
+                    <a:lumOff val="35000"/>
+                  </a:prstClr>
+                </a:solidFill>
+                <a:latin typeface="Helvetica Neue"/>
+              </a:rPr>
+              <a:t>Staffing companies invest a lot on indeed.com. Duplicates accounted for </a:t>
+            </a:r>
+            <a:r>
+              <a:rPr lang="en-US" sz="2200" dirty="0">
+                <a:solidFill>
+                  <a:srgbClr val="0070C0"/>
+                </a:solidFill>
+                <a:latin typeface="Helvetica Neue"/>
+              </a:rPr>
+              <a:t>~70% </a:t>
+            </a:r>
+            <a:r>
+              <a:rPr lang="en-US" sz="2200" dirty="0">
+                <a:solidFill>
+                  <a:prstClr val="black">
+                    <a:lumMod val="65000"/>
+                    <a:lumOff val="35000"/>
+                  </a:prstClr>
+                </a:solidFill>
+                <a:latin typeface="Helvetica Neue"/>
+              </a:rPr>
+              <a:t>of the scraped data.</a:t>
+            </a:r>
+          </a:p>
+          <a:p>
+            <a:pPr marL="228600" marR="0" lvl="0" indent="-228600" algn="l" defTabSz="914400" rtl="0" eaLnBrk="1" fontAlgn="auto" latinLnBrk="0" hangingPunct="1">
+              <a:lnSpc>
+                <a:spcPct val="90000"/>
+              </a:lnSpc>
+              <a:spcBef>
+                <a:spcPts val="1000"/>
+              </a:spcBef>
+              <a:spcAft>
+                <a:spcPts val="0"/>
+              </a:spcAft>
+              <a:buClrTx/>
+              <a:buSzTx/>
+              <a:buFont typeface="Arial" panose="020B0604020202020204" pitchFamily="34" charset="0"/>
+              <a:buChar char="•"/>
+              <a:tabLst/>
+              <a:defRPr/>
+            </a:pPr>
+            <a:r>
+              <a:rPr lang="en-US" sz="2200">
+                <a:solidFill>
+                  <a:prstClr val="black">
+                    <a:lumMod val="65000"/>
+                    <a:lumOff val="35000"/>
+                  </a:prstClr>
+                </a:solidFill>
+                <a:latin typeface="Helvetica Neue"/>
+              </a:rPr>
+              <a:t>The top postings are </a:t>
+            </a:r>
+            <a:r>
+              <a:rPr lang="en-US" sz="2200" dirty="0">
+                <a:solidFill>
+                  <a:prstClr val="black">
+                    <a:lumMod val="65000"/>
+                    <a:lumOff val="35000"/>
+                  </a:prstClr>
+                </a:solidFill>
+                <a:latin typeface="Helvetica Neue"/>
+              </a:rPr>
+              <a:t>from these locations are in this order: </a:t>
+            </a:r>
+            <a:r>
+              <a:rPr lang="en-US" sz="2200" dirty="0">
+                <a:solidFill>
+                  <a:srgbClr val="0070C0"/>
+                </a:solidFill>
+                <a:latin typeface="Helvetica Neue"/>
+              </a:rPr>
+              <a:t>NYC, Chicago, Atlanta, Los Angeles, and Washington, DC.</a:t>
+            </a:r>
+          </a:p>
+          <a:p>
+            <a:pPr marL="228600" marR="0" lvl="0" indent="-228600" algn="l" defTabSz="914400" rtl="0" eaLnBrk="1" fontAlgn="auto" latinLnBrk="0" hangingPunct="1">
+              <a:lnSpc>
+                <a:spcPct val="90000"/>
+              </a:lnSpc>
+              <a:spcBef>
+                <a:spcPts val="1000"/>
+              </a:spcBef>
+              <a:spcAft>
+                <a:spcPts val="0"/>
+              </a:spcAft>
+              <a:buClrTx/>
+              <a:buSzTx/>
+              <a:buFont typeface="Arial" panose="020B0604020202020204" pitchFamily="34" charset="0"/>
+              <a:buChar char="•"/>
+              <a:tabLst/>
+              <a:defRPr/>
+            </a:pPr>
+            <a:r>
+              <a:rPr lang="en-US" sz="2200" dirty="0">
+                <a:solidFill>
+                  <a:prstClr val="black">
+                    <a:lumMod val="65000"/>
+                    <a:lumOff val="35000"/>
+                  </a:prstClr>
+                </a:solidFill>
+                <a:latin typeface="Helvetica Neue"/>
+              </a:rPr>
+              <a:t>Middle of the week is when most of the jobs are posted.</a:t>
+            </a:r>
+          </a:p>
+          <a:p>
+            <a:pPr marL="228600" marR="0" lvl="0" indent="-228600" algn="l" defTabSz="914400" rtl="0" eaLnBrk="1" fontAlgn="auto" latinLnBrk="0" hangingPunct="1">
+              <a:lnSpc>
+                <a:spcPct val="90000"/>
+              </a:lnSpc>
+              <a:spcBef>
+                <a:spcPts val="1000"/>
+              </a:spcBef>
+              <a:spcAft>
+                <a:spcPts val="0"/>
+              </a:spcAft>
+              <a:buClrTx/>
+              <a:buSzTx/>
+              <a:buFont typeface="Arial" panose="020B0604020202020204" pitchFamily="34" charset="0"/>
+              <a:buChar char="•"/>
+              <a:tabLst/>
+              <a:defRPr/>
+            </a:pPr>
+            <a:r>
+              <a:rPr lang="en-US" sz="2200" dirty="0">
+                <a:solidFill>
+                  <a:prstClr val="black">
+                    <a:lumMod val="65000"/>
+                    <a:lumOff val="35000"/>
+                  </a:prstClr>
+                </a:solidFill>
+                <a:latin typeface="Helvetica Neue"/>
+              </a:rPr>
+              <a:t>The majority of the posted remote jobs don’t have a specified location.</a:t>
+            </a:r>
+          </a:p>
+          <a:p>
+            <a:pPr marL="228600" marR="0" lvl="0" indent="-228600" algn="l" defTabSz="914400" rtl="0" eaLnBrk="1" fontAlgn="auto" latinLnBrk="0" hangingPunct="1">
+              <a:lnSpc>
+                <a:spcPct val="90000"/>
+              </a:lnSpc>
+              <a:spcBef>
+                <a:spcPts val="1000"/>
+              </a:spcBef>
+              <a:spcAft>
+                <a:spcPts val="0"/>
+              </a:spcAft>
+              <a:buClrTx/>
+              <a:buSzTx/>
+              <a:buFont typeface="Arial" panose="020B0604020202020204" pitchFamily="34" charset="0"/>
+              <a:buChar char="•"/>
+              <a:tabLst/>
+              <a:defRPr/>
+            </a:pPr>
+            <a:r>
+              <a:rPr lang="en-US" sz="2200" dirty="0">
+                <a:solidFill>
+                  <a:prstClr val="black">
+                    <a:lumMod val="65000"/>
+                    <a:lumOff val="35000"/>
+                  </a:prstClr>
+                </a:solidFill>
+                <a:latin typeface="Helvetica Neue"/>
+              </a:rPr>
+              <a:t>Most of the posted jobs are </a:t>
+            </a:r>
+            <a:r>
+              <a:rPr lang="en-US" sz="2200" dirty="0">
+                <a:solidFill>
+                  <a:srgbClr val="0070C0"/>
+                </a:solidFill>
+                <a:latin typeface="Helvetica Neue"/>
+              </a:rPr>
+              <a:t>sales, marketing and business development jobs.</a:t>
+            </a:r>
+          </a:p>
+          <a:p>
+            <a:pPr marL="228600" indent="-228600">
+              <a:lnSpc>
+                <a:spcPct val="90000"/>
+              </a:lnSpc>
+              <a:spcBef>
+                <a:spcPts val="1000"/>
+              </a:spcBef>
+              <a:buFont typeface="Arial" panose="020B0604020202020204" pitchFamily="34" charset="0"/>
+              <a:buChar char="•"/>
+              <a:defRPr/>
+            </a:pPr>
+            <a:r>
+              <a:rPr lang="en-US" sz="2200" dirty="0">
+                <a:solidFill>
+                  <a:prstClr val="black">
+                    <a:lumMod val="65000"/>
+                    <a:lumOff val="35000"/>
+                  </a:prstClr>
+                </a:solidFill>
+                <a:latin typeface="Helvetica Neue"/>
+              </a:rPr>
+              <a:t>Most of the required qualifications are </a:t>
+            </a:r>
+            <a:r>
+              <a:rPr lang="en-US" sz="2200" dirty="0">
+                <a:solidFill>
+                  <a:srgbClr val="0070C0"/>
+                </a:solidFill>
+                <a:latin typeface="Helvetica Neue"/>
+              </a:rPr>
+              <a:t>1 year experience and bachelor</a:t>
+            </a:r>
+            <a:r>
+              <a:rPr lang="en-US" sz="2200" dirty="0">
+                <a:solidFill>
+                  <a:prstClr val="black">
+                    <a:lumMod val="65000"/>
+                    <a:lumOff val="35000"/>
+                  </a:prstClr>
+                </a:solidFill>
+                <a:latin typeface="Helvetica Neue"/>
+              </a:rPr>
+              <a:t>.</a:t>
+            </a:r>
+          </a:p>
+          <a:p>
+            <a:pPr marL="228600" indent="-228600">
+              <a:lnSpc>
+                <a:spcPct val="90000"/>
+              </a:lnSpc>
+              <a:spcBef>
+                <a:spcPts val="1000"/>
+              </a:spcBef>
+              <a:buFont typeface="Arial" panose="020B0604020202020204" pitchFamily="34" charset="0"/>
+              <a:buChar char="•"/>
+              <a:defRPr/>
+            </a:pPr>
+            <a:r>
+              <a:rPr lang="en-US" sz="2200" dirty="0">
+                <a:solidFill>
+                  <a:prstClr val="black">
+                    <a:lumMod val="65000"/>
+                    <a:lumOff val="35000"/>
+                  </a:prstClr>
+                </a:solidFill>
+                <a:latin typeface="Helvetica Neue"/>
+              </a:rPr>
+              <a:t>The median estimated salary for the remote jobs is </a:t>
+            </a:r>
+            <a:r>
+              <a:rPr lang="en-US" sz="2200" dirty="0">
+                <a:solidFill>
+                  <a:srgbClr val="0070C0"/>
+                </a:solidFill>
+                <a:latin typeface="Helvetica Neue"/>
+              </a:rPr>
+              <a:t>$60,000 </a:t>
+            </a:r>
+            <a:r>
+              <a:rPr lang="en-US" sz="2200" dirty="0">
+                <a:solidFill>
+                  <a:schemeClr val="tx2"/>
+                </a:solidFill>
+                <a:latin typeface="Helvetica Neue"/>
+              </a:rPr>
+              <a:t>a year.</a:t>
+            </a:r>
+          </a:p>
+          <a:p>
+            <a:pPr marL="228600" indent="-228600">
+              <a:lnSpc>
+                <a:spcPct val="90000"/>
+              </a:lnSpc>
+              <a:spcBef>
+                <a:spcPts val="1000"/>
+              </a:spcBef>
+              <a:buFont typeface="Arial" panose="020B0604020202020204" pitchFamily="34" charset="0"/>
+              <a:buChar char="•"/>
+              <a:defRPr/>
+            </a:pPr>
+            <a:r>
+              <a:rPr lang="en-US" sz="2200" dirty="0">
+                <a:solidFill>
+                  <a:prstClr val="black">
+                    <a:lumMod val="65000"/>
+                    <a:lumOff val="35000"/>
+                  </a:prstClr>
+                </a:solidFill>
+                <a:latin typeface="Helvetica Neue"/>
+              </a:rPr>
+              <a:t>More salaries are offered to </a:t>
+            </a:r>
+            <a:r>
+              <a:rPr lang="en-US" sz="2200" dirty="0">
+                <a:solidFill>
+                  <a:srgbClr val="0070C0"/>
+                </a:solidFill>
+                <a:latin typeface="Helvetica Neue"/>
+              </a:rPr>
+              <a:t>federal employees, candidates with sales experience, real estate experience and above 2 years experience.</a:t>
+            </a:r>
+          </a:p>
+          <a:p>
+            <a:pPr marL="228600" indent="-228600">
+              <a:lnSpc>
+                <a:spcPct val="90000"/>
+              </a:lnSpc>
+              <a:spcBef>
+                <a:spcPts val="1000"/>
+              </a:spcBef>
+              <a:buFont typeface="Arial" panose="020B0604020202020204" pitchFamily="34" charset="0"/>
+              <a:buChar char="•"/>
+              <a:defRPr/>
+            </a:pPr>
+            <a:r>
+              <a:rPr lang="en-US" sz="2200" dirty="0">
+                <a:solidFill>
+                  <a:prstClr val="black">
+                    <a:lumMod val="65000"/>
+                    <a:lumOff val="35000"/>
+                  </a:prstClr>
+                </a:solidFill>
+                <a:latin typeface="Helvetica Neue"/>
+              </a:rPr>
+              <a:t>Less salaries are offered to </a:t>
+            </a:r>
+            <a:r>
+              <a:rPr lang="en-US" sz="2200" dirty="0">
+                <a:solidFill>
+                  <a:srgbClr val="0070C0"/>
+                </a:solidFill>
+                <a:latin typeface="Helvetica Neue"/>
+              </a:rPr>
+              <a:t>customer service, representatives, specialist, social media and part-time jobs</a:t>
+            </a:r>
+            <a:r>
+              <a:rPr lang="en-US" sz="2200" dirty="0">
+                <a:solidFill>
+                  <a:prstClr val="black">
+                    <a:lumMod val="65000"/>
+                    <a:lumOff val="35000"/>
+                  </a:prstClr>
+                </a:solidFill>
+                <a:latin typeface="Helvetica Neue"/>
+              </a:rPr>
+              <a:t>.</a:t>
+            </a:r>
+            <a:endParaRPr lang="en-US" sz="2200" dirty="0">
+              <a:solidFill>
+                <a:srgbClr val="0070C0"/>
+              </a:solidFill>
+              <a:latin typeface="Helvetica Neue"/>
+            </a:endParaRPr>
+          </a:p>
+        </p:txBody>
+      </p:sp>
+    </p:spTree>
+    <p:extLst>
+      <p:ext uri="{BB962C8B-B14F-4D97-AF65-F5344CB8AC3E}">
+        <p14:creationId xmlns:p14="http://schemas.microsoft.com/office/powerpoint/2010/main" val="1157541191"/>
+      </p:ext>
+    </p:extLst>
+  </p:cSld>
+  <p:clrMapOvr>
+    <a:masterClrMapping/>
+  </p:clrMapOvr>
+</p:sld>
+</file>
+
 <file path=ppt/slides/slide2.xml><?xml version="1.0" encoding="utf-8"?>
 <p:sld xmlns:a="http://schemas.openxmlformats.org/drawingml/2006/main" xmlns:r="http://schemas.openxmlformats.org/officeDocument/2006/relationships" xmlns:p="http://schemas.openxmlformats.org/presentationml/2006/main">
   <p:cSld>

--- a/Remote Job Market during COVID.pptx
+++ b/Remote Job Market during COVID.pptx
@@ -4008,7 +4008,7 @@
               <a:defRPr/>
             </a:pPr>
             <a:r>
-              <a:rPr lang="en-US" sz="2200">
+              <a:rPr lang="en-US" sz="2200" dirty="0">
                 <a:solidFill>
                   <a:prstClr val="black">
                     <a:lumMod val="65000"/>
@@ -4017,10 +4017,10 @@
                 </a:solidFill>
                 <a:latin typeface="Helvetica Neue"/>
               </a:rPr>
-              <a:t>The top postings are </a:t>
-            </a:r>
-            <a:r>
-              <a:rPr lang="en-US" sz="2200" dirty="0">
+              <a:t>The top postings are from </a:t>
+            </a:r>
+            <a:r>
+              <a:rPr lang="en-US" sz="2200">
                 <a:solidFill>
                   <a:prstClr val="black">
                     <a:lumMod val="65000"/>
@@ -4029,7 +4029,19 @@
                 </a:solidFill>
                 <a:latin typeface="Helvetica Neue"/>
               </a:rPr>
-              <a:t>from these locations are in this order: </a:t>
+              <a:t>these locations </a:t>
+            </a:r>
+            <a:r>
+              <a:rPr lang="en-US" sz="2200" dirty="0">
+                <a:solidFill>
+                  <a:prstClr val="black">
+                    <a:lumMod val="65000"/>
+                    <a:lumOff val="35000"/>
+                  </a:prstClr>
+                </a:solidFill>
+                <a:latin typeface="Helvetica Neue"/>
+              </a:rPr>
+              <a:t>in this order: </a:t>
             </a:r>
             <a:r>
               <a:rPr lang="en-US" sz="2200" dirty="0">
